--- a/8. Linked List, File I:O.pptx
+++ b/8. Linked List, File I:O.pptx
@@ -5,7 +5,7 @@
     <p:sldMasterId id="2147483672" r:id="rId1"/>
   </p:sldMasterIdLst>
   <p:notesMasterIdLst>
-    <p:notesMasterId r:id="rId12"/>
+    <p:notesMasterId r:id="rId13"/>
   </p:notesMasterIdLst>
   <p:sldIdLst>
     <p:sldId id="256" r:id="rId2"/>
@@ -16,8 +16,9 @@
     <p:sldId id="268" r:id="rId7"/>
     <p:sldId id="270" r:id="rId8"/>
     <p:sldId id="264" r:id="rId9"/>
-    <p:sldId id="263" r:id="rId10"/>
-    <p:sldId id="262" r:id="rId11"/>
+    <p:sldId id="271" r:id="rId10"/>
+    <p:sldId id="263" r:id="rId11"/>
+    <p:sldId id="262" r:id="rId12"/>
   </p:sldIdLst>
   <p:sldSz cx="12192000" cy="6858000"/>
   <p:notesSz cx="6858000" cy="9144000"/>
@@ -4974,6 +4975,123 @@
           <p:cNvPr id="2" name="Title 1">
             <a:extLst>
               <a:ext uri="{FF2B5EF4-FFF2-40B4-BE49-F238E27FC236}">
+                <a16:creationId xmlns:a16="http://schemas.microsoft.com/office/drawing/2014/main" id="{7154F906-3AFB-454F-80FD-88D11DEAE17D}"/>
+              </a:ext>
+            </a:extLst>
+          </p:cNvPr>
+          <p:cNvSpPr>
+            <a:spLocks noGrp="1"/>
+          </p:cNvSpPr>
+          <p:nvPr>
+            <p:ph type="title"/>
+          </p:nvPr>
+        </p:nvSpPr>
+        <p:spPr/>
+        <p:txBody>
+          <a:bodyPr/>
+          <a:lstStyle/>
+          <a:p>
+            <a:r>
+              <a:rPr lang="en-US" dirty="0"/>
+              <a:t>Music List Example</a:t>
+            </a:r>
+          </a:p>
+        </p:txBody>
+      </p:sp>
+      <p:sp>
+        <p:nvSpPr>
+          <p:cNvPr id="3" name="Content Placeholder 2">
+            <a:extLst>
+              <a:ext uri="{FF2B5EF4-FFF2-40B4-BE49-F238E27FC236}">
+                <a16:creationId xmlns:a16="http://schemas.microsoft.com/office/drawing/2014/main" id="{BEC23A67-DE69-7543-8B1B-6ACA38BDC694}"/>
+              </a:ext>
+            </a:extLst>
+          </p:cNvPr>
+          <p:cNvSpPr>
+            <a:spLocks noGrp="1"/>
+          </p:cNvSpPr>
+          <p:nvPr>
+            <p:ph idx="1"/>
+          </p:nvPr>
+        </p:nvSpPr>
+        <p:spPr/>
+        <p:txBody>
+          <a:bodyPr/>
+          <a:lstStyle/>
+          <a:p>
+            <a:r>
+              <a:rPr lang="en-US" dirty="0"/>
+              <a:t>Source: examples/lesson_8/</a:t>
+            </a:r>
+            <a:r>
+              <a:rPr lang="en-US" dirty="0" err="1"/>
+              <a:t>music_list_example.c</a:t>
+            </a:r>
+            <a:endParaRPr lang="en-US" dirty="0"/>
+          </a:p>
+          <a:p>
+            <a:r>
+              <a:rPr lang="en-US" dirty="0"/>
+              <a:t>Stores songs into  Linked List structure, with </a:t>
+            </a:r>
+            <a:r>
+              <a:rPr lang="en-US" dirty="0" err="1"/>
+              <a:t>MergeSort</a:t>
+            </a:r>
+            <a:r>
+              <a:rPr lang="en-US" dirty="0"/>
+              <a:t> implemented for sorting.</a:t>
+            </a:r>
+          </a:p>
+          <a:p>
+            <a:r>
+              <a:rPr lang="en-US" dirty="0"/>
+              <a:t>Read the code, write out 3 questions/remarks for next lesson</a:t>
+            </a:r>
+          </a:p>
+          <a:p>
+            <a:endParaRPr lang="en-US" dirty="0"/>
+          </a:p>
+          <a:p>
+            <a:endParaRPr lang="en-US" dirty="0"/>
+          </a:p>
+        </p:txBody>
+      </p:sp>
+    </p:spTree>
+    <p:extLst>
+      <p:ext uri="{BB962C8B-B14F-4D97-AF65-F5344CB8AC3E}">
+        <p14:creationId xmlns:p14="http://schemas.microsoft.com/office/powerpoint/2010/main" val="1217832746"/>
+      </p:ext>
+    </p:extLst>
+  </p:cSld>
+  <p:clrMapOvr>
+    <a:masterClrMapping/>
+  </p:clrMapOvr>
+</p:sld>
+</file>
+
+<file path=ppt/slides/slide11.xml><?xml version="1.0" encoding="utf-8"?>
+<p:sld xmlns:a="http://schemas.openxmlformats.org/drawingml/2006/main" xmlns:r="http://schemas.openxmlformats.org/officeDocument/2006/relationships" xmlns:p="http://schemas.openxmlformats.org/presentationml/2006/main">
+  <p:cSld>
+    <p:spTree>
+      <p:nvGrpSpPr>
+        <p:cNvPr id="1" name=""/>
+        <p:cNvGrpSpPr/>
+        <p:nvPr/>
+      </p:nvGrpSpPr>
+      <p:grpSpPr>
+        <a:xfrm>
+          <a:off x="0" y="0"/>
+          <a:ext cx="0" cy="0"/>
+          <a:chOff x="0" y="0"/>
+          <a:chExt cx="0" cy="0"/>
+        </a:xfrm>
+      </p:grpSpPr>
+      <p:sp>
+        <p:nvSpPr>
+          <p:cNvPr id="2" name="Title 1">
+            <a:extLst>
+              <a:ext uri="{FF2B5EF4-FFF2-40B4-BE49-F238E27FC236}">
                 <a16:creationId xmlns:a16="http://schemas.microsoft.com/office/drawing/2014/main" id="{BD6B61B6-3012-C741-8D78-E0B9871BBE40}"/>
               </a:ext>
             </a:extLst>
@@ -5033,6 +5151,15 @@
               <a:rPr lang="en-US" dirty="0"/>
               <a:t>Contains a very basic game engine, that works within a 3x3 grid, handles player movement, has challenges and supports basic narrative functionality.</a:t>
             </a:r>
+          </a:p>
+          <a:p>
+            <a:r>
+              <a:rPr lang="en-US" dirty="0"/>
+              <a:t>Read the code, write out 3 questions/remarks for next lesson</a:t>
+            </a:r>
+          </a:p>
+          <a:p>
+            <a:endParaRPr lang="en-US" dirty="0"/>
           </a:p>
         </p:txBody>
       </p:sp>
@@ -5925,9 +6052,6 @@
               <a:t>Contains the basic implementation of a linked list in C</a:t>
             </a:r>
           </a:p>
-          <a:p>
-            <a:endParaRPr lang="en-US" dirty="0"/>
-          </a:p>
         </p:txBody>
       </p:sp>
     </p:spTree>
@@ -5965,7 +6089,7 @@
           <p:cNvPr id="2" name="Title 1">
             <a:extLst>
               <a:ext uri="{FF2B5EF4-FFF2-40B4-BE49-F238E27FC236}">
-                <a16:creationId xmlns:a16="http://schemas.microsoft.com/office/drawing/2014/main" id="{7154F906-3AFB-454F-80FD-88D11DEAE17D}"/>
+                <a16:creationId xmlns:a16="http://schemas.microsoft.com/office/drawing/2014/main" id="{0271316E-58EA-494A-B176-5174BBC3D0EB}"/>
               </a:ext>
             </a:extLst>
           </p:cNvPr>
@@ -5983,65 +6107,189 @@
           <a:p>
             <a:r>
               <a:rPr lang="en-US" dirty="0"/>
-              <a:t>Music List Example</a:t>
-            </a:r>
-          </a:p>
-        </p:txBody>
-      </p:sp>
-      <p:sp>
-        <p:nvSpPr>
-          <p:cNvPr id="3" name="Content Placeholder 2">
+              <a:t>Merge Sort pseudocode</a:t>
+            </a:r>
+          </a:p>
+        </p:txBody>
+      </p:sp>
+      <p:pic>
+        <p:nvPicPr>
+          <p:cNvPr id="6" name="Content Placeholder 5">
             <a:extLst>
               <a:ext uri="{FF2B5EF4-FFF2-40B4-BE49-F238E27FC236}">
-                <a16:creationId xmlns:a16="http://schemas.microsoft.com/office/drawing/2014/main" id="{BEC23A67-DE69-7543-8B1B-6ACA38BDC694}"/>
+                <a16:creationId xmlns:a16="http://schemas.microsoft.com/office/drawing/2014/main" id="{C7EB921A-4FD2-6A44-AAF3-91CB5A1E202D}"/>
               </a:ext>
             </a:extLst>
           </p:cNvPr>
-          <p:cNvSpPr>
-            <a:spLocks noGrp="1"/>
-          </p:cNvSpPr>
+          <p:cNvPicPr>
+            <a:picLocks noGrp="1" noChangeAspect="1"/>
+          </p:cNvPicPr>
           <p:nvPr>
             <p:ph idx="1"/>
           </p:nvPr>
-        </p:nvSpPr>
-        <p:spPr/>
-        <p:txBody>
-          <a:bodyPr/>
-          <a:lstStyle/>
-          <a:p>
-            <a:r>
-              <a:rPr lang="en-US" dirty="0"/>
-              <a:t>Source: examples/lesson_8/</a:t>
-            </a:r>
-            <a:r>
-              <a:rPr lang="en-US" dirty="0" err="1"/>
-              <a:t>music_list_example.c</a:t>
-            </a:r>
-            <a:endParaRPr lang="en-US" dirty="0"/>
-          </a:p>
-          <a:p>
-            <a:r>
-              <a:rPr lang="en-US" dirty="0"/>
-              <a:t>Stores songs into  Linked List structure, with </a:t>
-            </a:r>
-            <a:r>
-              <a:rPr lang="en-US" dirty="0" err="1"/>
-              <a:t>MergeSort</a:t>
-            </a:r>
-            <a:r>
-              <a:rPr lang="en-US" dirty="0"/>
-              <a:t> implemented for sorting.</a:t>
-            </a:r>
-          </a:p>
-          <a:p>
-            <a:endParaRPr lang="en-US" dirty="0"/>
+        </p:nvPicPr>
+        <p:blipFill>
+          <a:blip r:embed="rId2"/>
+          <a:stretch>
+            <a:fillRect/>
+          </a:stretch>
+        </p:blipFill>
+        <p:spPr>
+          <a:xfrm>
+            <a:off x="2132853" y="4574073"/>
+            <a:ext cx="4673600" cy="1231900"/>
+          </a:xfrm>
+        </p:spPr>
+      </p:pic>
+      <p:sp>
+        <p:nvSpPr>
+          <p:cNvPr id="4" name="TextBox 3">
+            <a:extLst>
+              <a:ext uri="{FF2B5EF4-FFF2-40B4-BE49-F238E27FC236}">
+                <a16:creationId xmlns:a16="http://schemas.microsoft.com/office/drawing/2014/main" id="{F108456F-1BFF-F74B-BFF8-BF9B668D3B45}"/>
+              </a:ext>
+            </a:extLst>
+          </p:cNvPr>
+          <p:cNvSpPr txBox="1"/>
+          <p:nvPr/>
+        </p:nvSpPr>
+        <p:spPr>
+          <a:xfrm>
+            <a:off x="2976283" y="6216775"/>
+            <a:ext cx="7103291" cy="369332"/>
+          </a:xfrm>
+          <a:prstGeom prst="rect">
+            <a:avLst/>
+          </a:prstGeom>
+          <a:noFill/>
+        </p:spPr>
+        <p:txBody>
+          <a:bodyPr wrap="none" rtlCol="0">
+            <a:spAutoFit/>
+          </a:bodyPr>
+          <a:lstStyle/>
+          <a:p>
+            <a:r>
+              <a:rPr lang="en-US" dirty="0"/>
+              <a:t>Source: </a:t>
+            </a:r>
+            <a:r>
+              <a:rPr lang="en-US" dirty="0">
+                <a:hlinkClick r:id="rId3"/>
+              </a:rPr>
+              <a:t>https://www.programiz.com/dsa/merge-sort</a:t>
+            </a:r>
+            <a:r>
+              <a:rPr lang="en-US" dirty="0"/>
+              <a:t> , 04.04.20222 </a:t>
+            </a:r>
+          </a:p>
+        </p:txBody>
+      </p:sp>
+      <p:pic>
+        <p:nvPicPr>
+          <p:cNvPr id="8" name="Picture 7">
+            <a:extLst>
+              <a:ext uri="{FF2B5EF4-FFF2-40B4-BE49-F238E27FC236}">
+                <a16:creationId xmlns:a16="http://schemas.microsoft.com/office/drawing/2014/main" id="{5F0E6765-A5B0-364B-B2E1-5491DD02B3CA}"/>
+              </a:ext>
+            </a:extLst>
+          </p:cNvPr>
+          <p:cNvPicPr>
+            <a:picLocks noChangeAspect="1"/>
+          </p:cNvPicPr>
+          <p:nvPr/>
+        </p:nvPicPr>
+        <p:blipFill>
+          <a:blip r:embed="rId4"/>
+          <a:stretch>
+            <a:fillRect/>
+          </a:stretch>
+        </p:blipFill>
+        <p:spPr>
+          <a:xfrm>
+            <a:off x="2238935" y="2670879"/>
+            <a:ext cx="4648200" cy="1117600"/>
+          </a:xfrm>
+          <a:prstGeom prst="rect">
+            <a:avLst/>
+          </a:prstGeom>
+        </p:spPr>
+      </p:pic>
+      <p:sp>
+        <p:nvSpPr>
+          <p:cNvPr id="11" name="TextBox 10">
+            <a:extLst>
+              <a:ext uri="{FF2B5EF4-FFF2-40B4-BE49-F238E27FC236}">
+                <a16:creationId xmlns:a16="http://schemas.microsoft.com/office/drawing/2014/main" id="{2EAA4DF5-5C29-C847-BBDE-C1C6BFAEBEFA}"/>
+              </a:ext>
+            </a:extLst>
+          </p:cNvPr>
+          <p:cNvSpPr txBox="1"/>
+          <p:nvPr/>
+        </p:nvSpPr>
+        <p:spPr>
+          <a:xfrm>
+            <a:off x="2424330" y="4042991"/>
+            <a:ext cx="1338828" cy="369332"/>
+          </a:xfrm>
+          <a:prstGeom prst="rect">
+            <a:avLst/>
+          </a:prstGeom>
+          <a:noFill/>
+        </p:spPr>
+        <p:txBody>
+          <a:bodyPr wrap="none" rtlCol="0">
+            <a:spAutoFit/>
+          </a:bodyPr>
+          <a:lstStyle/>
+          <a:p>
+            <a:r>
+              <a:rPr lang="en-US" dirty="0"/>
+              <a:t>Merge step</a:t>
+            </a:r>
+          </a:p>
+        </p:txBody>
+      </p:sp>
+      <p:sp>
+        <p:nvSpPr>
+          <p:cNvPr id="12" name="TextBox 11">
+            <a:extLst>
+              <a:ext uri="{FF2B5EF4-FFF2-40B4-BE49-F238E27FC236}">
+                <a16:creationId xmlns:a16="http://schemas.microsoft.com/office/drawing/2014/main" id="{94D5DCEA-9673-B443-93A0-8B0CBEAE5C81}"/>
+              </a:ext>
+            </a:extLst>
+          </p:cNvPr>
+          <p:cNvSpPr txBox="1"/>
+          <p:nvPr/>
+        </p:nvSpPr>
+        <p:spPr>
+          <a:xfrm>
+            <a:off x="2471706" y="2114999"/>
+            <a:ext cx="1326004" cy="369332"/>
+          </a:xfrm>
+          <a:prstGeom prst="rect">
+            <a:avLst/>
+          </a:prstGeom>
+          <a:noFill/>
+        </p:spPr>
+        <p:txBody>
+          <a:bodyPr wrap="none" rtlCol="0">
+            <a:spAutoFit/>
+          </a:bodyPr>
+          <a:lstStyle/>
+          <a:p>
+            <a:r>
+              <a:rPr lang="en-US" dirty="0"/>
+              <a:t>Merge Sort</a:t>
+            </a:r>
           </a:p>
         </p:txBody>
       </p:sp>
     </p:spTree>
     <p:extLst>
       <p:ext uri="{BB962C8B-B14F-4D97-AF65-F5344CB8AC3E}">
-        <p14:creationId xmlns:p14="http://schemas.microsoft.com/office/powerpoint/2010/main" val="1217832746"/>
+        <p14:creationId xmlns:p14="http://schemas.microsoft.com/office/powerpoint/2010/main" val="316334458"/>
       </p:ext>
     </p:extLst>
   </p:cSld>
